--- a/present/ตัวอย่างไฟล์นำเสนอ.pptx
+++ b/present/ตัวอย่างไฟล์นำเสนอ.pptx
@@ -272,7 +272,7 @@
           <a:p>
             <a:fld id="{71FDB983-57D4-4524-928A-6E3CAB900B43}" type="datetimeFigureOut">
               <a:rPr lang="en-US" smtClean="0"/>
-              <a:t>10/8/2024</a:t>
+              <a:t>10/12/2024</a:t>
             </a:fld>
             <a:endParaRPr lang="en-US"/>
           </a:p>
@@ -470,7 +470,7 @@
           <a:p>
             <a:fld id="{71FDB983-57D4-4524-928A-6E3CAB900B43}" type="datetimeFigureOut">
               <a:rPr lang="en-US" smtClean="0"/>
-              <a:t>10/8/2024</a:t>
+              <a:t>10/12/2024</a:t>
             </a:fld>
             <a:endParaRPr lang="en-US"/>
           </a:p>
@@ -678,7 +678,7 @@
           <a:p>
             <a:fld id="{71FDB983-57D4-4524-928A-6E3CAB900B43}" type="datetimeFigureOut">
               <a:rPr lang="en-US" smtClean="0"/>
-              <a:t>10/8/2024</a:t>
+              <a:t>10/12/2024</a:t>
             </a:fld>
             <a:endParaRPr lang="en-US"/>
           </a:p>
@@ -876,7 +876,7 @@
           <a:p>
             <a:fld id="{71FDB983-57D4-4524-928A-6E3CAB900B43}" type="datetimeFigureOut">
               <a:rPr lang="en-US" smtClean="0"/>
-              <a:t>10/8/2024</a:t>
+              <a:t>10/12/2024</a:t>
             </a:fld>
             <a:endParaRPr lang="en-US"/>
           </a:p>
@@ -1151,7 +1151,7 @@
           <a:p>
             <a:fld id="{71FDB983-57D4-4524-928A-6E3CAB900B43}" type="datetimeFigureOut">
               <a:rPr lang="en-US" smtClean="0"/>
-              <a:t>10/8/2024</a:t>
+              <a:t>10/12/2024</a:t>
             </a:fld>
             <a:endParaRPr lang="en-US"/>
           </a:p>
@@ -1416,7 +1416,7 @@
           <a:p>
             <a:fld id="{71FDB983-57D4-4524-928A-6E3CAB900B43}" type="datetimeFigureOut">
               <a:rPr lang="en-US" smtClean="0"/>
-              <a:t>10/8/2024</a:t>
+              <a:t>10/12/2024</a:t>
             </a:fld>
             <a:endParaRPr lang="en-US"/>
           </a:p>
@@ -1828,7 +1828,7 @@
           <a:p>
             <a:fld id="{71FDB983-57D4-4524-928A-6E3CAB900B43}" type="datetimeFigureOut">
               <a:rPr lang="en-US" smtClean="0"/>
-              <a:t>10/8/2024</a:t>
+              <a:t>10/12/2024</a:t>
             </a:fld>
             <a:endParaRPr lang="en-US"/>
           </a:p>
@@ -1969,7 +1969,7 @@
           <a:p>
             <a:fld id="{71FDB983-57D4-4524-928A-6E3CAB900B43}" type="datetimeFigureOut">
               <a:rPr lang="en-US" smtClean="0"/>
-              <a:t>10/8/2024</a:t>
+              <a:t>10/12/2024</a:t>
             </a:fld>
             <a:endParaRPr lang="en-US"/>
           </a:p>
@@ -2082,7 +2082,7 @@
           <a:p>
             <a:fld id="{71FDB983-57D4-4524-928A-6E3CAB900B43}" type="datetimeFigureOut">
               <a:rPr lang="en-US" smtClean="0"/>
-              <a:t>10/8/2024</a:t>
+              <a:t>10/12/2024</a:t>
             </a:fld>
             <a:endParaRPr lang="en-US"/>
           </a:p>
@@ -2393,7 +2393,7 @@
           <a:p>
             <a:fld id="{71FDB983-57D4-4524-928A-6E3CAB900B43}" type="datetimeFigureOut">
               <a:rPr lang="en-US" smtClean="0"/>
-              <a:t>10/8/2024</a:t>
+              <a:t>10/12/2024</a:t>
             </a:fld>
             <a:endParaRPr lang="en-US"/>
           </a:p>
@@ -2681,7 +2681,7 @@
           <a:p>
             <a:fld id="{71FDB983-57D4-4524-928A-6E3CAB900B43}" type="datetimeFigureOut">
               <a:rPr lang="en-US" smtClean="0"/>
-              <a:t>10/8/2024</a:t>
+              <a:t>10/12/2024</a:t>
             </a:fld>
             <a:endParaRPr lang="en-US"/>
           </a:p>
@@ -2922,7 +2922,7 @@
           <a:p>
             <a:fld id="{71FDB983-57D4-4524-928A-6E3CAB900B43}" type="datetimeFigureOut">
               <a:rPr lang="en-US" smtClean="0"/>
-              <a:t>10/8/2024</a:t>
+              <a:t>10/12/2024</a:t>
             </a:fld>
             <a:endParaRPr lang="en-US"/>
           </a:p>
@@ -3362,12 +3362,9 @@
           <a:p>
             <a:r>
               <a:rPr lang="th-TH" dirty="0"/>
-              <a:t>ชื่อโปรเจค/</a:t>
-            </a:r>
-            <a:r>
-              <a:rPr lang="en-US" dirty="0"/>
-              <a:t>Entity</a:t>
-            </a:r>
+              <a:t>ชื่อวิธีการปลูกต้นไม้</a:t>
+            </a:r>
+            <a:endParaRPr lang="en-US" dirty="0"/>
           </a:p>
         </p:txBody>
       </p:sp>
@@ -3394,7 +3391,15 @@
           <a:p>
             <a:r>
               <a:rPr lang="th-TH" dirty="0"/>
-              <a:t>รหัสนิสิต ชื่อ สกุล</a:t>
+              <a:t>รหัสนิสิต65313303 ชื่อ นายพร</a:t>
+            </a:r>
+            <a:r>
+              <a:rPr lang="th-TH" dirty="0" err="1"/>
+              <a:t>รธวัฒน์</a:t>
+            </a:r>
+            <a:r>
+              <a:rPr lang="th-TH" dirty="0"/>
+              <a:t>  มั่นพรรษา</a:t>
             </a:r>
             <a:endParaRPr lang="en-US" dirty="0"/>
           </a:p>
@@ -3475,14 +3480,14 @@
             <p:ph idx="1"/>
             <p:extLst>
               <p:ext uri="{D42A27DB-BD31-4B8C-83A1-F6EECF244321}">
-                <p14:modId xmlns:p14="http://schemas.microsoft.com/office/powerpoint/2010/main" val="1089704681"/>
+                <p14:modId xmlns:p14="http://schemas.microsoft.com/office/powerpoint/2010/main" val="597361268"/>
               </p:ext>
             </p:extLst>
           </p:nvPr>
         </p:nvGraphicFramePr>
         <p:xfrm>
           <a:off x="789709" y="2698462"/>
-          <a:ext cx="10515600" cy="1854200"/>
+          <a:ext cx="10442748" cy="2763520"/>
         </p:xfrm>
         <a:graphic>
           <a:graphicData uri="http://schemas.openxmlformats.org/drawingml/2006/table">
@@ -3491,7 +3496,7 @@
                 <a:tableStyleId>{5C22544A-7EE6-4342-B048-85BDC9FD1C3A}</a:tableStyleId>
               </a:tblPr>
               <a:tblGrid>
-                <a:gridCol w="706582">
+                <a:gridCol w="633730">
                   <a:extLst>
                     <a:ext uri="{9D8B030D-6E8A-4147-A177-3AD203B41FA5}">
                       <a16:colId xmlns:a16="http://schemas.microsoft.com/office/drawing/2014/main" val="1891398218"/>
@@ -3706,9 +3711,10 @@
                     <a:lstStyle/>
                     <a:p>
                       <a:r>
-                        <a:rPr lang="en-US" dirty="0"/>
-                        <a:t>CPU</a:t>
+                        <a:rPr lang="en-US" dirty="0" err="1"/>
+                        <a:t>TreeName</a:t>
                       </a:r>
+                      <a:endParaRPr lang="en-US" dirty="0"/>
                     </a:p>
                   </a:txBody>
                   <a:tcPr/>
@@ -3720,7 +3726,7 @@
                     <a:p>
                       <a:r>
                         <a:rPr lang="en-US" dirty="0"/>
-                        <a:t>String</a:t>
+                        <a:t>Text</a:t>
                       </a:r>
                     </a:p>
                   </a:txBody>
@@ -3745,12 +3751,8 @@
                     <a:lstStyle/>
                     <a:p>
                       <a:r>
-                        <a:rPr lang="en-US" dirty="0"/>
-                        <a:t>Intel i9 </a:t>
-                      </a:r>
-                      <a:r>
-                        <a:rPr lang="en-US" dirty="0" err="1"/>
-                        <a:t>GenXX</a:t>
+                        <a:rPr lang="th-TH" dirty="0"/>
+                        <a:t>ต้นมะนาว</a:t>
                       </a:r>
                       <a:endParaRPr lang="en-US" dirty="0"/>
                     </a:p>
@@ -3763,7 +3765,7 @@
                   </a:ext>
                 </a:extLst>
               </a:tr>
-              <a:tr h="370840">
+              <a:tr h="491778">
                 <a:tc>
                   <a:txBody>
                     <a:bodyPr/>
@@ -3782,10 +3784,38 @@
                     <a:bodyPr/>
                     <a:lstStyle/>
                     <a:p>
+                      <a:pPr marL="0" marR="0" lvl="0" indent="0" algn="l" defTabSz="914400" rtl="0" eaLnBrk="1" fontAlgn="auto" latinLnBrk="0" hangingPunct="1">
+                        <a:lnSpc>
+                          <a:spcPct val="100000"/>
+                        </a:lnSpc>
+                        <a:spcBef>
+                          <a:spcPts val="0"/>
+                        </a:spcBef>
+                        <a:spcAft>
+                          <a:spcPts val="0"/>
+                        </a:spcAft>
+                        <a:buClrTx/>
+                        <a:buSzTx/>
+                        <a:buFontTx/>
+                        <a:buNone/>
+                        <a:tabLst/>
+                        <a:defRPr/>
+                      </a:pPr>
                       <a:r>
-                        <a:rPr lang="en-US" dirty="0"/>
-                        <a:t>RAM</a:t>
+                        <a:rPr lang="en-US" sz="1800" b="0" kern="1200" dirty="0">
+                          <a:solidFill>
+                            <a:schemeClr val="dk1"/>
+                          </a:solidFill>
+                          <a:effectLst/>
+                          <a:latin typeface="+mn-lt"/>
+                          <a:ea typeface="+mn-ea"/>
+                          <a:cs typeface="+mn-cs"/>
+                        </a:rPr>
+                        <a:t>Category</a:t>
                       </a:r>
+                    </a:p>
+                    <a:p>
+                      <a:endParaRPr lang="en-US" dirty="0"/>
                     </a:p>
                   </a:txBody>
                   <a:tcPr/>
@@ -3797,7 +3827,7 @@
                     <a:p>
                       <a:r>
                         <a:rPr lang="en-US" dirty="0"/>
-                        <a:t>String</a:t>
+                        <a:t>Text</a:t>
                       </a:r>
                     </a:p>
                   </a:txBody>
@@ -3822,16 +3852,8 @@
                     <a:lstStyle/>
                     <a:p>
                       <a:r>
-                        <a:rPr lang="en-US" dirty="0" err="1"/>
-                        <a:t>Corrair</a:t>
-                      </a:r>
-                      <a:r>
-                        <a:rPr lang="en-US" dirty="0"/>
-                        <a:t> </a:t>
-                      </a:r>
-                      <a:r>
-                        <a:rPr lang="en-US" dirty="0" err="1"/>
-                        <a:t>ModelX</a:t>
+                        <a:rPr lang="th-TH" dirty="0"/>
+                        <a:t>ไม้ผล</a:t>
                       </a:r>
                       <a:endParaRPr lang="en-US" dirty="0"/>
                     </a:p>
@@ -3864,8 +3886,16 @@
                     <a:lstStyle/>
                     <a:p>
                       <a:r>
-                        <a:rPr lang="en-US" dirty="0"/>
-                        <a:t>HDD</a:t>
+                        <a:rPr lang="en-US" sz="1800" b="0" kern="1200" dirty="0">
+                          <a:solidFill>
+                            <a:schemeClr val="dk1"/>
+                          </a:solidFill>
+                          <a:effectLst/>
+                          <a:latin typeface="+mn-lt"/>
+                          <a:ea typeface="+mn-ea"/>
+                          <a:cs typeface="+mn-cs"/>
+                        </a:rPr>
+                        <a:t>Soil Type</a:t>
                       </a:r>
                     </a:p>
                   </a:txBody>
@@ -3878,7 +3908,7 @@
                     <a:p>
                       <a:r>
                         <a:rPr lang="en-US" dirty="0"/>
-                        <a:t>String</a:t>
+                        <a:t>Text</a:t>
                       </a:r>
                     </a:p>
                   </a:txBody>
@@ -3903,12 +3933,8 @@
                     <a:lstStyle/>
                     <a:p>
                       <a:r>
-                        <a:rPr lang="en-US" dirty="0"/>
-                        <a:t>WD Black </a:t>
-                      </a:r>
-                      <a:r>
-                        <a:rPr lang="en-US" dirty="0" err="1"/>
-                        <a:t>ModelX</a:t>
+                        <a:rPr lang="th-TH" dirty="0"/>
+                        <a:t>ดินร่วน</a:t>
                       </a:r>
                       <a:endParaRPr lang="en-US" dirty="0"/>
                     </a:p>
@@ -3918,6 +3944,132 @@
                 <a:extLst>
                   <a:ext uri="{0D108BD9-81ED-4DB2-BD59-A6C34878D82A}">
                     <a16:rowId xmlns:a16="http://schemas.microsoft.com/office/drawing/2014/main" val="792690464"/>
+                  </a:ext>
+                </a:extLst>
+              </a:tr>
+              <a:tr h="370840">
+                <a:tc>
+                  <a:txBody>
+                    <a:bodyPr/>
+                    <a:lstStyle/>
+                    <a:p>
+                      <a:r>
+                        <a:rPr lang="en-US" dirty="0"/>
+                        <a:t>5</a:t>
+                      </a:r>
+                    </a:p>
+                  </a:txBody>
+                  <a:tcPr/>
+                </a:tc>
+                <a:tc>
+                  <a:txBody>
+                    <a:bodyPr/>
+                    <a:lstStyle/>
+                    <a:p>
+                      <a:pPr marL="0" marR="0" lvl="0" indent="0" algn="l" defTabSz="914400" rtl="0" eaLnBrk="1" fontAlgn="auto" latinLnBrk="0" hangingPunct="1">
+                        <a:lnSpc>
+                          <a:spcPct val="100000"/>
+                        </a:lnSpc>
+                        <a:spcBef>
+                          <a:spcPts val="0"/>
+                        </a:spcBef>
+                        <a:spcAft>
+                          <a:spcPts val="0"/>
+                        </a:spcAft>
+                        <a:buClrTx/>
+                        <a:buSzTx/>
+                        <a:buFontTx/>
+                        <a:buNone/>
+                        <a:tabLst/>
+                        <a:defRPr/>
+                      </a:pPr>
+                      <a:r>
+                        <a:rPr lang="en-US" sz="1800" b="0" kern="1200" dirty="0">
+                          <a:solidFill>
+                            <a:schemeClr val="dk1"/>
+                          </a:solidFill>
+                          <a:effectLst/>
+                          <a:latin typeface="+mn-lt"/>
+                          <a:ea typeface="+mn-ea"/>
+                          <a:cs typeface="+mn-cs"/>
+                        </a:rPr>
+                        <a:t>Fertilizer Type</a:t>
+                      </a:r>
+                    </a:p>
+                    <a:p>
+                      <a:endParaRPr lang="en-US" sz="1800" b="0" kern="1200" dirty="0">
+                        <a:solidFill>
+                          <a:schemeClr val="dk1"/>
+                        </a:solidFill>
+                        <a:effectLst/>
+                        <a:latin typeface="+mn-lt"/>
+                        <a:ea typeface="+mn-ea"/>
+                        <a:cs typeface="+mn-cs"/>
+                      </a:endParaRPr>
+                    </a:p>
+                  </a:txBody>
+                  <a:tcPr/>
+                </a:tc>
+                <a:tc>
+                  <a:txBody>
+                    <a:bodyPr/>
+                    <a:lstStyle/>
+                    <a:p>
+                      <a:pPr marL="0" marR="0" lvl="0" indent="0" algn="l" defTabSz="914400" rtl="0" eaLnBrk="1" fontAlgn="auto" latinLnBrk="0" hangingPunct="1">
+                        <a:lnSpc>
+                          <a:spcPct val="100000"/>
+                        </a:lnSpc>
+                        <a:spcBef>
+                          <a:spcPts val="0"/>
+                        </a:spcBef>
+                        <a:spcAft>
+                          <a:spcPts val="0"/>
+                        </a:spcAft>
+                        <a:buClrTx/>
+                        <a:buSzTx/>
+                        <a:buFontTx/>
+                        <a:buNone/>
+                        <a:tabLst/>
+                        <a:defRPr/>
+                      </a:pPr>
+                      <a:r>
+                        <a:rPr lang="en-US" dirty="0"/>
+                        <a:t>Text</a:t>
+                      </a:r>
+                    </a:p>
+                    <a:p>
+                      <a:endParaRPr lang="en-US" dirty="0"/>
+                    </a:p>
+                  </a:txBody>
+                  <a:tcPr/>
+                </a:tc>
+                <a:tc>
+                  <a:txBody>
+                    <a:bodyPr/>
+                    <a:lstStyle/>
+                    <a:p>
+                      <a:endParaRPr lang="en-US" dirty="0"/>
+                    </a:p>
+                  </a:txBody>
+                  <a:tcPr/>
+                </a:tc>
+                <a:tc>
+                  <a:txBody>
+                    <a:bodyPr/>
+                    <a:lstStyle/>
+                    <a:p>
+                      <a:r>
+                        <a:rPr lang="th-TH" dirty="0"/>
+                        <a:t>13-13-21</a:t>
+                      </a:r>
+                      <a:endParaRPr lang="en-US" dirty="0"/>
+                    </a:p>
+                  </a:txBody>
+                  <a:tcPr/>
+                </a:tc>
+                <a:extLst>
+                  <a:ext uri="{0D108BD9-81ED-4DB2-BD59-A6C34878D82A}">
+                    <a16:rowId xmlns:a16="http://schemas.microsoft.com/office/drawing/2014/main" val="2388370377"/>
                   </a:ext>
                 </a:extLst>
               </a:tr>
@@ -4066,7 +4218,31 @@
             </a:r>
             <a:r>
               <a:rPr lang="en-US" dirty="0"/>
-              <a:t>1</a:t>
+              <a:t>1 </a:t>
+            </a:r>
+            <a:r>
+              <a:rPr lang="th-TH" dirty="0"/>
+              <a:t>หน้า</a:t>
+            </a:r>
+            <a:r>
+              <a:rPr lang="en-US" dirty="0"/>
+              <a:t>login </a:t>
+            </a:r>
+            <a:r>
+              <a:rPr lang="th-TH" dirty="0"/>
+              <a:t>ปุ่ม</a:t>
+            </a:r>
+            <a:r>
+              <a:rPr lang="en-US" dirty="0"/>
+              <a:t>register</a:t>
+            </a:r>
+            <a:r>
+              <a:rPr lang="th-TH" dirty="0"/>
+              <a:t>สามารถกด</a:t>
+            </a:r>
+            <a:r>
+              <a:rPr lang="en-US" dirty="0"/>
+              <a:t>create user</a:t>
             </a:r>
           </a:p>
           <a:p>
@@ -4084,8 +4260,13 @@
             </a:r>
             <a:r>
               <a:rPr lang="en-US" dirty="0"/>
-              <a:t> 2</a:t>
-            </a:r>
+              <a:t> 2 </a:t>
+            </a:r>
+            <a:r>
+              <a:rPr lang="th-TH" dirty="0"/>
+              <a:t>โชว์รูปภาพ</a:t>
+            </a:r>
+            <a:endParaRPr lang="en-US" dirty="0"/>
           </a:p>
           <a:p>
             <a:pPr marL="514350" indent="-514350">
@@ -4102,8 +4283,13 @@
             </a:r>
             <a:r>
               <a:rPr lang="en-US" dirty="0"/>
-              <a:t> 3</a:t>
-            </a:r>
+              <a:t> 3 </a:t>
+            </a:r>
+            <a:r>
+              <a:rPr lang="th-TH" dirty="0"/>
+              <a:t>ลูกเล่นและการตกแต่ง</a:t>
+            </a:r>
+            <a:endParaRPr lang="en-US" dirty="0"/>
           </a:p>
         </p:txBody>
       </p:sp>
